--- a/Presentations/Caravanserai.pptx
+++ b/Presentations/Caravanserai.pptx
@@ -5,18 +5,19 @@
     <p:sldMasterId id="2147483728" r:id="rId4"/>
   </p:sldMasterIdLst>
   <p:notesMasterIdLst>
-    <p:notesMasterId r:id="rId11"/>
+    <p:notesMasterId r:id="rId12"/>
   </p:notesMasterIdLst>
   <p:handoutMasterIdLst>
-    <p:handoutMasterId r:id="rId12"/>
+    <p:handoutMasterId r:id="rId13"/>
   </p:handoutMasterIdLst>
   <p:sldIdLst>
     <p:sldId id="296" r:id="rId5"/>
-    <p:sldId id="312" r:id="rId6"/>
-    <p:sldId id="319" r:id="rId7"/>
-    <p:sldId id="313" r:id="rId8"/>
-    <p:sldId id="314" r:id="rId9"/>
-    <p:sldId id="318" r:id="rId10"/>
+    <p:sldId id="320" r:id="rId6"/>
+    <p:sldId id="312" r:id="rId7"/>
+    <p:sldId id="319" r:id="rId8"/>
+    <p:sldId id="313" r:id="rId9"/>
+    <p:sldId id="314" r:id="rId10"/>
+    <p:sldId id="318" r:id="rId11"/>
   </p:sldIdLst>
   <p:sldSz cx="12192000" cy="6858000"/>
   <p:notesSz cx="6858000" cy="9144000"/>
@@ -854,7 +855,7 @@
           <a:p>
             <a:fld id="{C30E6F85-6220-421D-9203-84F526C4C605}" type="slidenum">
               <a:rPr lang="en-US" smtClean="0"/>
-              <a:t>6</a:t>
+              <a:t>7</a:t>
             </a:fld>
             <a:endParaRPr lang="en-US" dirty="0"/>
           </a:p>
@@ -6683,6 +6684,168 @@
   <p:cSld>
     <p:spTree>
       <p:nvGrpSpPr>
+        <p:cNvPr id="1" name="">
+          <a:extLst>
+            <a:ext uri="{FF2B5EF4-FFF2-40B4-BE49-F238E27FC236}">
+              <a16:creationId xmlns:a16="http://schemas.microsoft.com/office/drawing/2014/main" id="{D08ED97F-8A45-F1B2-2A35-827B18FBB992}"/>
+            </a:ext>
+          </a:extLst>
+        </p:cNvPr>
+        <p:cNvGrpSpPr/>
+        <p:nvPr/>
+      </p:nvGrpSpPr>
+      <p:grpSpPr>
+        <a:xfrm>
+          <a:off x="0" y="0"/>
+          <a:ext cx="0" cy="0"/>
+          <a:chOff x="0" y="0"/>
+          <a:chExt cx="0" cy="0"/>
+        </a:xfrm>
+      </p:grpSpPr>
+      <p:sp>
+        <p:nvSpPr>
+          <p:cNvPr id="2" name="Title 1">
+            <a:extLst>
+              <a:ext uri="{FF2B5EF4-FFF2-40B4-BE49-F238E27FC236}">
+                <a16:creationId xmlns:a16="http://schemas.microsoft.com/office/drawing/2014/main" id="{C9332E6E-BBAE-A553-CD67-82F5025E48B7}"/>
+              </a:ext>
+            </a:extLst>
+          </p:cNvPr>
+          <p:cNvSpPr>
+            <a:spLocks noGrp="1"/>
+          </p:cNvSpPr>
+          <p:nvPr>
+            <p:ph type="title"/>
+          </p:nvPr>
+        </p:nvSpPr>
+        <p:spPr/>
+        <p:txBody>
+          <a:bodyPr/>
+          <a:lstStyle/>
+          <a:p>
+            <a:r>
+              <a:rPr lang="en-US" dirty="0"/>
+              <a:t>What is a caravanserai</a:t>
+            </a:r>
+          </a:p>
+        </p:txBody>
+      </p:sp>
+      <p:sp>
+        <p:nvSpPr>
+          <p:cNvPr id="5" name="Content Placeholder 4">
+            <a:extLst>
+              <a:ext uri="{FF2B5EF4-FFF2-40B4-BE49-F238E27FC236}">
+                <a16:creationId xmlns:a16="http://schemas.microsoft.com/office/drawing/2014/main" id="{C8A6725E-38E2-66A1-91E5-03F24E4194A8}"/>
+              </a:ext>
+            </a:extLst>
+          </p:cNvPr>
+          <p:cNvSpPr>
+            <a:spLocks noGrp="1"/>
+          </p:cNvSpPr>
+          <p:nvPr>
+            <p:ph sz="quarter" idx="17"/>
+          </p:nvPr>
+        </p:nvSpPr>
+        <p:spPr/>
+        <p:txBody>
+          <a:bodyPr/>
+          <a:lstStyle/>
+          <a:p>
+            <a:pPr marL="342900" indent="-342900">
+              <a:buFont typeface="Arial" panose="020B0604020202020204" pitchFamily="34" charset="0"/>
+              <a:buChar char="•"/>
+            </a:pPr>
+            <a:r>
+              <a:rPr lang="en-US" sz="2400" dirty="0"/>
+              <a:t>Westernized word referring to inns on ancient </a:t>
+            </a:r>
+            <a:r>
+              <a:rPr lang="en-US" sz="2400" dirty="0" err="1"/>
+              <a:t>traderoutes</a:t>
+            </a:r>
+            <a:r>
+              <a:rPr lang="en-US" sz="2400" dirty="0"/>
+              <a:t> were merchants could safely gather.</a:t>
+            </a:r>
+          </a:p>
+          <a:p>
+            <a:pPr marL="342900" indent="-342900">
+              <a:buFont typeface="Arial" panose="020B0604020202020204" pitchFamily="34" charset="0"/>
+              <a:buChar char="•"/>
+            </a:pPr>
+            <a:r>
+              <a:rPr lang="en-US" sz="2400" dirty="0"/>
+              <a:t>Provided a safe haven as well as open market spaces for the exchange of goods.</a:t>
+            </a:r>
+          </a:p>
+          <a:p>
+            <a:pPr marL="342900" indent="-342900">
+              <a:buFont typeface="Arial" panose="020B0604020202020204" pitchFamily="34" charset="0"/>
+              <a:buChar char="•"/>
+            </a:pPr>
+            <a:r>
+              <a:rPr lang="en-US" sz="2400" dirty="0"/>
+              <a:t>Comes from the root words “caravan” referring to a group of merchants and “</a:t>
+            </a:r>
+            <a:r>
+              <a:rPr lang="en-US" sz="2400" dirty="0" err="1"/>
+              <a:t>seray</a:t>
+            </a:r>
+            <a:r>
+              <a:rPr lang="en-US" sz="2400" dirty="0"/>
+              <a:t>” meaning palace.</a:t>
+            </a:r>
+          </a:p>
+        </p:txBody>
+      </p:sp>
+      <p:sp>
+        <p:nvSpPr>
+          <p:cNvPr id="4" name="Slide Number Placeholder 3">
+            <a:extLst>
+              <a:ext uri="{FF2B5EF4-FFF2-40B4-BE49-F238E27FC236}">
+                <a16:creationId xmlns:a16="http://schemas.microsoft.com/office/drawing/2014/main" id="{09720C6A-5F07-7CAE-F755-40A86D5010C2}"/>
+              </a:ext>
+            </a:extLst>
+          </p:cNvPr>
+          <p:cNvSpPr>
+            <a:spLocks noGrp="1"/>
+          </p:cNvSpPr>
+          <p:nvPr>
+            <p:ph type="sldNum" sz="quarter" idx="12"/>
+          </p:nvPr>
+        </p:nvSpPr>
+        <p:spPr/>
+        <p:txBody>
+          <a:bodyPr/>
+          <a:lstStyle/>
+          <a:p>
+            <a:fld id="{C01389E6-C847-4AD0-B56D-D205B2EAB1EE}" type="slidenum">
+              <a:rPr lang="en-US" smtClean="0"/>
+              <a:pPr/>
+              <a:t>2</a:t>
+            </a:fld>
+            <a:endParaRPr lang="en-US" dirty="0"/>
+          </a:p>
+        </p:txBody>
+      </p:sp>
+    </p:spTree>
+    <p:extLst>
+      <p:ext uri="{BB962C8B-B14F-4D97-AF65-F5344CB8AC3E}">
+        <p14:creationId xmlns:p14="http://schemas.microsoft.com/office/powerpoint/2010/main" val="1871534887"/>
+      </p:ext>
+    </p:extLst>
+  </p:cSld>
+  <p:clrMapOvr>
+    <a:masterClrMapping/>
+  </p:clrMapOvr>
+</p:sld>
+</file>
+
+<file path=ppt/slides/slide3.xml><?xml version="1.0" encoding="utf-8"?>
+<p:sld xmlns:a="http://schemas.openxmlformats.org/drawingml/2006/main" xmlns:r="http://schemas.openxmlformats.org/officeDocument/2006/relationships" xmlns:p="http://schemas.openxmlformats.org/presentationml/2006/main">
+  <p:cSld>
+    <p:spTree>
+      <p:nvGrpSpPr>
         <p:cNvPr id="1" name=""/>
         <p:cNvGrpSpPr/>
         <p:nvPr/>
@@ -6809,7 +6972,7 @@
             <a:fld id="{C01389E6-C847-4AD0-B56D-D205B2EAB1EE}" type="slidenum">
               <a:rPr lang="en-US" smtClean="0"/>
               <a:pPr/>
-              <a:t>2</a:t>
+              <a:t>3</a:t>
             </a:fld>
             <a:endParaRPr lang="en-US" dirty="0"/>
           </a:p>
@@ -6828,7 +6991,7 @@
 </p:sld>
 </file>
 
-<file path=ppt/slides/slide3.xml><?xml version="1.0" encoding="utf-8"?>
+<file path=ppt/slides/slide4.xml><?xml version="1.0" encoding="utf-8"?>
 <p:sld xmlns:a="http://schemas.openxmlformats.org/drawingml/2006/main" xmlns:r="http://schemas.openxmlformats.org/officeDocument/2006/relationships" xmlns:p="http://schemas.openxmlformats.org/presentationml/2006/main">
   <p:cSld>
     <p:spTree>
@@ -6945,7 +7108,7 @@
             <a:fld id="{C01389E6-C847-4AD0-B56D-D205B2EAB1EE}" type="slidenum">
               <a:rPr lang="en-US" smtClean="0"/>
               <a:pPr/>
-              <a:t>3</a:t>
+              <a:t>4</a:t>
             </a:fld>
             <a:endParaRPr lang="en-US" dirty="0"/>
           </a:p>
@@ -6955,179 +7118,6 @@
     <p:extLst>
       <p:ext uri="{BB962C8B-B14F-4D97-AF65-F5344CB8AC3E}">
         <p14:creationId xmlns:p14="http://schemas.microsoft.com/office/powerpoint/2010/main" val="1225714513"/>
-      </p:ext>
-    </p:extLst>
-  </p:cSld>
-  <p:clrMapOvr>
-    <a:masterClrMapping/>
-  </p:clrMapOvr>
-</p:sld>
-</file>
-
-<file path=ppt/slides/slide4.xml><?xml version="1.0" encoding="utf-8"?>
-<p:sld xmlns:a="http://schemas.openxmlformats.org/drawingml/2006/main" xmlns:r="http://schemas.openxmlformats.org/officeDocument/2006/relationships" xmlns:p="http://schemas.openxmlformats.org/presentationml/2006/main">
-  <p:cSld>
-    <p:spTree>
-      <p:nvGrpSpPr>
-        <p:cNvPr id="1" name=""/>
-        <p:cNvGrpSpPr/>
-        <p:nvPr/>
-      </p:nvGrpSpPr>
-      <p:grpSpPr>
-        <a:xfrm>
-          <a:off x="0" y="0"/>
-          <a:ext cx="0" cy="0"/>
-          <a:chOff x="0" y="0"/>
-          <a:chExt cx="0" cy="0"/>
-        </a:xfrm>
-      </p:grpSpPr>
-      <p:sp>
-        <p:nvSpPr>
-          <p:cNvPr id="2" name="Title 1">
-            <a:extLst>
-              <a:ext uri="{FF2B5EF4-FFF2-40B4-BE49-F238E27FC236}">
-                <a16:creationId xmlns:a16="http://schemas.microsoft.com/office/drawing/2014/main" id="{800D1D41-5286-2B6E-EE70-7893A03CDE7D}"/>
-              </a:ext>
-            </a:extLst>
-          </p:cNvPr>
-          <p:cNvSpPr>
-            <a:spLocks noGrp="1"/>
-          </p:cNvSpPr>
-          <p:nvPr>
-            <p:ph type="title"/>
-          </p:nvPr>
-        </p:nvSpPr>
-        <p:spPr/>
-        <p:txBody>
-          <a:bodyPr/>
-          <a:lstStyle/>
-          <a:p>
-            <a:r>
-              <a:rPr lang="en-US" dirty="0"/>
-              <a:t>Current and Expected Challenges</a:t>
-            </a:r>
-          </a:p>
-        </p:txBody>
-      </p:sp>
-      <p:sp>
-        <p:nvSpPr>
-          <p:cNvPr id="3" name="Content Placeholder 2">
-            <a:extLst>
-              <a:ext uri="{FF2B5EF4-FFF2-40B4-BE49-F238E27FC236}">
-                <a16:creationId xmlns:a16="http://schemas.microsoft.com/office/drawing/2014/main" id="{314C37A0-451F-A5BA-50DE-F50D2BE3A817}"/>
-              </a:ext>
-            </a:extLst>
-          </p:cNvPr>
-          <p:cNvSpPr>
-            <a:spLocks noGrp="1"/>
-          </p:cNvSpPr>
-          <p:nvPr>
-            <p:ph idx="13"/>
-          </p:nvPr>
-        </p:nvSpPr>
-        <p:spPr>
-          <a:xfrm>
-            <a:off x="974171" y="2441273"/>
-            <a:ext cx="10116615" cy="3776596"/>
-          </a:xfrm>
-        </p:spPr>
-        <p:txBody>
-          <a:bodyPr/>
-          <a:lstStyle/>
-          <a:p>
-            <a:pPr marL="342900" indent="-342900">
-              <a:buFont typeface="Arial" panose="020B0604020202020204" pitchFamily="34" charset="0"/>
-              <a:buChar char="•"/>
-            </a:pPr>
-            <a:r>
-              <a:rPr lang="en-US" sz="2400" dirty="0"/>
-              <a:t>Unclear expectations set for project.  Guidelines for the project are vague, unspecific, and poorly presented.</a:t>
-            </a:r>
-          </a:p>
-          <a:p>
-            <a:pPr marL="342900" indent="-342900">
-              <a:buFont typeface="Arial" panose="020B0604020202020204" pitchFamily="34" charset="0"/>
-              <a:buChar char="•"/>
-            </a:pPr>
-            <a:r>
-              <a:rPr lang="en-US" sz="2400" dirty="0"/>
-              <a:t>Lack of common use resources.  This will lead to long times of development as we produce our unique systems and resources rather than following standardization.</a:t>
-            </a:r>
-          </a:p>
-          <a:p>
-            <a:pPr marL="342900" indent="-342900">
-              <a:buFont typeface="Arial" panose="020B0604020202020204" pitchFamily="34" charset="0"/>
-              <a:buChar char="•"/>
-            </a:pPr>
-            <a:r>
-              <a:rPr lang="en-US" sz="2400" dirty="0"/>
-              <a:t>Inadequate training provided by course instructors leading to excessive self-training times.  Each of these challenges should not be a challenge.</a:t>
-            </a:r>
-          </a:p>
-          <a:p>
-            <a:pPr marL="342900" indent="-342900">
-              <a:buFont typeface="Arial" panose="020B0604020202020204" pitchFamily="34" charset="0"/>
-              <a:buChar char="•"/>
-            </a:pPr>
-            <a:endParaRPr lang="en-US" dirty="0"/>
-          </a:p>
-          <a:p>
-            <a:pPr marL="342900" indent="-342900">
-              <a:buFont typeface="Arial" panose="020B0604020202020204" pitchFamily="34" charset="0"/>
-              <a:buChar char="•"/>
-            </a:pPr>
-            <a:endParaRPr lang="en-US" dirty="0"/>
-          </a:p>
-          <a:p>
-            <a:pPr marL="342900" indent="-342900">
-              <a:buFont typeface="Arial" panose="020B0604020202020204" pitchFamily="34" charset="0"/>
-              <a:buChar char="•"/>
-            </a:pPr>
-            <a:endParaRPr lang="en-US" dirty="0"/>
-          </a:p>
-          <a:p>
-            <a:pPr marL="342900" indent="-342900">
-              <a:buFont typeface="Arial" panose="020B0604020202020204" pitchFamily="34" charset="0"/>
-              <a:buChar char="•"/>
-            </a:pPr>
-            <a:endParaRPr lang="en-US" dirty="0"/>
-          </a:p>
-        </p:txBody>
-      </p:sp>
-      <p:sp>
-        <p:nvSpPr>
-          <p:cNvPr id="5" name="Slide Number Placeholder 4">
-            <a:extLst>
-              <a:ext uri="{FF2B5EF4-FFF2-40B4-BE49-F238E27FC236}">
-                <a16:creationId xmlns:a16="http://schemas.microsoft.com/office/drawing/2014/main" id="{513D02C0-0922-7872-ED77-5519F8213166}"/>
-              </a:ext>
-            </a:extLst>
-          </p:cNvPr>
-          <p:cNvSpPr>
-            <a:spLocks noGrp="1"/>
-          </p:cNvSpPr>
-          <p:nvPr>
-            <p:ph type="sldNum" sz="quarter" idx="12"/>
-          </p:nvPr>
-        </p:nvSpPr>
-        <p:spPr/>
-        <p:txBody>
-          <a:bodyPr/>
-          <a:lstStyle/>
-          <a:p>
-            <a:fld id="{C01389E6-C847-4AD0-B56D-D205B2EAB1EE}" type="slidenum">
-              <a:rPr lang="en-US" smtClean="0"/>
-              <a:pPr/>
-              <a:t>4</a:t>
-            </a:fld>
-            <a:endParaRPr lang="en-US" dirty="0"/>
-          </a:p>
-        </p:txBody>
-      </p:sp>
-    </p:spTree>
-    <p:extLst>
-      <p:ext uri="{BB962C8B-B14F-4D97-AF65-F5344CB8AC3E}">
-        <p14:creationId xmlns:p14="http://schemas.microsoft.com/office/powerpoint/2010/main" val="1811109426"/>
       </p:ext>
     </p:extLst>
   </p:cSld>
@@ -7156,6 +7146,179 @@
       </p:grpSpPr>
       <p:sp>
         <p:nvSpPr>
+          <p:cNvPr id="2" name="Title 1">
+            <a:extLst>
+              <a:ext uri="{FF2B5EF4-FFF2-40B4-BE49-F238E27FC236}">
+                <a16:creationId xmlns:a16="http://schemas.microsoft.com/office/drawing/2014/main" id="{800D1D41-5286-2B6E-EE70-7893A03CDE7D}"/>
+              </a:ext>
+            </a:extLst>
+          </p:cNvPr>
+          <p:cNvSpPr>
+            <a:spLocks noGrp="1"/>
+          </p:cNvSpPr>
+          <p:nvPr>
+            <p:ph type="title"/>
+          </p:nvPr>
+        </p:nvSpPr>
+        <p:spPr/>
+        <p:txBody>
+          <a:bodyPr/>
+          <a:lstStyle/>
+          <a:p>
+            <a:r>
+              <a:rPr lang="en-US" dirty="0"/>
+              <a:t>Current and Expected Challenges</a:t>
+            </a:r>
+          </a:p>
+        </p:txBody>
+      </p:sp>
+      <p:sp>
+        <p:nvSpPr>
+          <p:cNvPr id="3" name="Content Placeholder 2">
+            <a:extLst>
+              <a:ext uri="{FF2B5EF4-FFF2-40B4-BE49-F238E27FC236}">
+                <a16:creationId xmlns:a16="http://schemas.microsoft.com/office/drawing/2014/main" id="{314C37A0-451F-A5BA-50DE-F50D2BE3A817}"/>
+              </a:ext>
+            </a:extLst>
+          </p:cNvPr>
+          <p:cNvSpPr>
+            <a:spLocks noGrp="1"/>
+          </p:cNvSpPr>
+          <p:nvPr>
+            <p:ph idx="13"/>
+          </p:nvPr>
+        </p:nvSpPr>
+        <p:spPr>
+          <a:xfrm>
+            <a:off x="974171" y="2441273"/>
+            <a:ext cx="10116615" cy="3776596"/>
+          </a:xfrm>
+        </p:spPr>
+        <p:txBody>
+          <a:bodyPr/>
+          <a:lstStyle/>
+          <a:p>
+            <a:pPr marL="342900" indent="-342900">
+              <a:buFont typeface="Arial" panose="020B0604020202020204" pitchFamily="34" charset="0"/>
+              <a:buChar char="•"/>
+            </a:pPr>
+            <a:r>
+              <a:rPr lang="en-US" sz="2400" dirty="0"/>
+              <a:t>Unclear expectations set for project.  Guidelines for the project are vague, unspecific, and poorly presented.</a:t>
+            </a:r>
+          </a:p>
+          <a:p>
+            <a:pPr marL="342900" indent="-342900">
+              <a:buFont typeface="Arial" panose="020B0604020202020204" pitchFamily="34" charset="0"/>
+              <a:buChar char="•"/>
+            </a:pPr>
+            <a:r>
+              <a:rPr lang="en-US" sz="2400" dirty="0"/>
+              <a:t>Lack of common use resources.  This will lead to long times of development as we produce our unique systems and resources rather than following standardization.</a:t>
+            </a:r>
+          </a:p>
+          <a:p>
+            <a:pPr marL="342900" indent="-342900">
+              <a:buFont typeface="Arial" panose="020B0604020202020204" pitchFamily="34" charset="0"/>
+              <a:buChar char="•"/>
+            </a:pPr>
+            <a:r>
+              <a:rPr lang="en-US" sz="2400" dirty="0"/>
+              <a:t>Inadequate training provided by course instructors leading to excessive self-training times.  Each of these challenges should not be a challenge.</a:t>
+            </a:r>
+          </a:p>
+          <a:p>
+            <a:pPr marL="342900" indent="-342900">
+              <a:buFont typeface="Arial" panose="020B0604020202020204" pitchFamily="34" charset="0"/>
+              <a:buChar char="•"/>
+            </a:pPr>
+            <a:endParaRPr lang="en-US" dirty="0"/>
+          </a:p>
+          <a:p>
+            <a:pPr marL="342900" indent="-342900">
+              <a:buFont typeface="Arial" panose="020B0604020202020204" pitchFamily="34" charset="0"/>
+              <a:buChar char="•"/>
+            </a:pPr>
+            <a:endParaRPr lang="en-US" dirty="0"/>
+          </a:p>
+          <a:p>
+            <a:pPr marL="342900" indent="-342900">
+              <a:buFont typeface="Arial" panose="020B0604020202020204" pitchFamily="34" charset="0"/>
+              <a:buChar char="•"/>
+            </a:pPr>
+            <a:endParaRPr lang="en-US" dirty="0"/>
+          </a:p>
+          <a:p>
+            <a:pPr marL="342900" indent="-342900">
+              <a:buFont typeface="Arial" panose="020B0604020202020204" pitchFamily="34" charset="0"/>
+              <a:buChar char="•"/>
+            </a:pPr>
+            <a:endParaRPr lang="en-US" dirty="0"/>
+          </a:p>
+        </p:txBody>
+      </p:sp>
+      <p:sp>
+        <p:nvSpPr>
+          <p:cNvPr id="5" name="Slide Number Placeholder 4">
+            <a:extLst>
+              <a:ext uri="{FF2B5EF4-FFF2-40B4-BE49-F238E27FC236}">
+                <a16:creationId xmlns:a16="http://schemas.microsoft.com/office/drawing/2014/main" id="{513D02C0-0922-7872-ED77-5519F8213166}"/>
+              </a:ext>
+            </a:extLst>
+          </p:cNvPr>
+          <p:cNvSpPr>
+            <a:spLocks noGrp="1"/>
+          </p:cNvSpPr>
+          <p:nvPr>
+            <p:ph type="sldNum" sz="quarter" idx="12"/>
+          </p:nvPr>
+        </p:nvSpPr>
+        <p:spPr/>
+        <p:txBody>
+          <a:bodyPr/>
+          <a:lstStyle/>
+          <a:p>
+            <a:fld id="{C01389E6-C847-4AD0-B56D-D205B2EAB1EE}" type="slidenum">
+              <a:rPr lang="en-US" smtClean="0"/>
+              <a:pPr/>
+              <a:t>5</a:t>
+            </a:fld>
+            <a:endParaRPr lang="en-US" dirty="0"/>
+          </a:p>
+        </p:txBody>
+      </p:sp>
+    </p:spTree>
+    <p:extLst>
+      <p:ext uri="{BB962C8B-B14F-4D97-AF65-F5344CB8AC3E}">
+        <p14:creationId xmlns:p14="http://schemas.microsoft.com/office/powerpoint/2010/main" val="1811109426"/>
+      </p:ext>
+    </p:extLst>
+  </p:cSld>
+  <p:clrMapOvr>
+    <a:masterClrMapping/>
+  </p:clrMapOvr>
+</p:sld>
+</file>
+
+<file path=ppt/slides/slide6.xml><?xml version="1.0" encoding="utf-8"?>
+<p:sld xmlns:a="http://schemas.openxmlformats.org/drawingml/2006/main" xmlns:r="http://schemas.openxmlformats.org/officeDocument/2006/relationships" xmlns:p="http://schemas.openxmlformats.org/presentationml/2006/main">
+  <p:cSld>
+    <p:spTree>
+      <p:nvGrpSpPr>
+        <p:cNvPr id="1" name=""/>
+        <p:cNvGrpSpPr/>
+        <p:nvPr/>
+      </p:nvGrpSpPr>
+      <p:grpSpPr>
+        <a:xfrm>
+          <a:off x="0" y="0"/>
+          <a:ext cx="0" cy="0"/>
+          <a:chOff x="0" y="0"/>
+          <a:chExt cx="0" cy="0"/>
+        </a:xfrm>
+      </p:grpSpPr>
+      <p:sp>
+        <p:nvSpPr>
           <p:cNvPr id="24" name="Title 23">
             <a:extLst>
               <a:ext uri="{FF2B5EF4-FFF2-40B4-BE49-F238E27FC236}">
@@ -7295,7 +7458,7 @@
             <a:fld id="{C01389E6-C847-4AD0-B56D-D205B2EAB1EE}" type="slidenum">
               <a:rPr lang="en-US" smtClean="0"/>
               <a:pPr/>
-              <a:t>5</a:t>
+              <a:t>6</a:t>
             </a:fld>
             <a:endParaRPr lang="en-US" dirty="0"/>
           </a:p>
@@ -7314,7 +7477,7 @@
 </p:sld>
 </file>
 
-<file path=ppt/slides/slide6.xml><?xml version="1.0" encoding="utf-8"?>
+<file path=ppt/slides/slide7.xml><?xml version="1.0" encoding="utf-8"?>
 <p:sld xmlns:a="http://schemas.openxmlformats.org/drawingml/2006/main" xmlns:r="http://schemas.openxmlformats.org/officeDocument/2006/relationships" xmlns:p="http://schemas.openxmlformats.org/presentationml/2006/main">
   <p:cSld>
     <p:spTree>
@@ -7466,7 +7629,7 @@
             <a:fld id="{C01389E6-C847-4AD0-B56D-D205B2EAB1EE}" type="slidenum">
               <a:rPr lang="en-US" smtClean="0"/>
               <a:pPr/>
-              <a:t>6</a:t>
+              <a:t>7</a:t>
             </a:fld>
             <a:endParaRPr lang="en-US" dirty="0"/>
           </a:p>

--- a/Presentations/Caravanserai.pptx
+++ b/Presentations/Caravanserai.pptx
@@ -16,8 +16,8 @@
     <p:sldId id="312" r:id="rId7"/>
     <p:sldId id="319" r:id="rId8"/>
     <p:sldId id="313" r:id="rId9"/>
-    <p:sldId id="314" r:id="rId10"/>
-    <p:sldId id="318" r:id="rId11"/>
+    <p:sldId id="322" r:id="rId10"/>
+    <p:sldId id="321" r:id="rId11"/>
   </p:sldIdLst>
   <p:sldSz cx="12192000" cy="6858000"/>
   <p:notesSz cx="6858000" cy="9144000"/>
@@ -757,114 +757,6 @@
     <p:extLst>
       <p:ext uri="{BB962C8B-B14F-4D97-AF65-F5344CB8AC3E}">
         <p14:creationId xmlns:p14="http://schemas.microsoft.com/office/powerpoint/2010/main" val="1623119340"/>
-      </p:ext>
-    </p:extLst>
-  </p:cSld>
-  <p:clrMapOvr>
-    <a:masterClrMapping/>
-  </p:clrMapOvr>
-</p:notes>
-</file>
-
-<file path=ppt/notesSlides/notesSlide2.xml><?xml version="1.0" encoding="utf-8"?>
-<p:notes xmlns:a="http://schemas.openxmlformats.org/drawingml/2006/main" xmlns:r="http://schemas.openxmlformats.org/officeDocument/2006/relationships" xmlns:p="http://schemas.openxmlformats.org/presentationml/2006/main">
-  <p:cSld>
-    <p:spTree>
-      <p:nvGrpSpPr>
-        <p:cNvPr id="1" name="">
-          <a:extLst>
-            <a:ext uri="{FF2B5EF4-FFF2-40B4-BE49-F238E27FC236}">
-              <a16:creationId xmlns:a16="http://schemas.microsoft.com/office/drawing/2014/main" id="{2FF31816-AF2F-1242-F46B-D491A845E8D0}"/>
-            </a:ext>
-          </a:extLst>
-        </p:cNvPr>
-        <p:cNvGrpSpPr/>
-        <p:nvPr/>
-      </p:nvGrpSpPr>
-      <p:grpSpPr>
-        <a:xfrm>
-          <a:off x="0" y="0"/>
-          <a:ext cx="0" cy="0"/>
-          <a:chOff x="0" y="0"/>
-          <a:chExt cx="0" cy="0"/>
-        </a:xfrm>
-      </p:grpSpPr>
-      <p:sp>
-        <p:nvSpPr>
-          <p:cNvPr id="2" name="Slide Image Placeholder 1">
-            <a:extLst>
-              <a:ext uri="{FF2B5EF4-FFF2-40B4-BE49-F238E27FC236}">
-                <a16:creationId xmlns:a16="http://schemas.microsoft.com/office/drawing/2014/main" id="{697A44CE-7EA8-1458-D688-33AE2285497A}"/>
-              </a:ext>
-            </a:extLst>
-          </p:cNvPr>
-          <p:cNvSpPr>
-            <a:spLocks noGrp="1" noRot="1" noChangeAspect="1"/>
-          </p:cNvSpPr>
-          <p:nvPr>
-            <p:ph type="sldImg"/>
-          </p:nvPr>
-        </p:nvSpPr>
-        <p:spPr/>
-      </p:sp>
-      <p:sp>
-        <p:nvSpPr>
-          <p:cNvPr id="3" name="Notes Placeholder 2">
-            <a:extLst>
-              <a:ext uri="{FF2B5EF4-FFF2-40B4-BE49-F238E27FC236}">
-                <a16:creationId xmlns:a16="http://schemas.microsoft.com/office/drawing/2014/main" id="{0D7EC9CE-4E9C-5EDC-E164-36D0F5B6DCF2}"/>
-              </a:ext>
-            </a:extLst>
-          </p:cNvPr>
-          <p:cNvSpPr>
-            <a:spLocks noGrp="1"/>
-          </p:cNvSpPr>
-          <p:nvPr>
-            <p:ph type="body" idx="1"/>
-          </p:nvPr>
-        </p:nvSpPr>
-        <p:spPr/>
-        <p:txBody>
-          <a:bodyPr/>
-          <a:lstStyle/>
-          <a:p>
-            <a:endParaRPr lang="en-US" dirty="0"/>
-          </a:p>
-        </p:txBody>
-      </p:sp>
-      <p:sp>
-        <p:nvSpPr>
-          <p:cNvPr id="4" name="Slide Number Placeholder 3">
-            <a:extLst>
-              <a:ext uri="{FF2B5EF4-FFF2-40B4-BE49-F238E27FC236}">
-                <a16:creationId xmlns:a16="http://schemas.microsoft.com/office/drawing/2014/main" id="{C7D87164-08E0-C6EF-2F03-E48C6796A434}"/>
-              </a:ext>
-            </a:extLst>
-          </p:cNvPr>
-          <p:cNvSpPr>
-            <a:spLocks noGrp="1"/>
-          </p:cNvSpPr>
-          <p:nvPr>
-            <p:ph type="sldNum" sz="quarter" idx="5"/>
-          </p:nvPr>
-        </p:nvSpPr>
-        <p:spPr/>
-        <p:txBody>
-          <a:bodyPr/>
-          <a:lstStyle/>
-          <a:p>
-            <a:fld id="{C30E6F85-6220-421D-9203-84F526C4C605}" type="slidenum">
-              <a:rPr lang="en-US" smtClean="0"/>
-              <a:t>7</a:t>
-            </a:fld>
-            <a:endParaRPr lang="en-US" dirty="0"/>
-          </a:p>
-        </p:txBody>
-      </p:sp>
-    </p:spTree>
-    <p:extLst>
-      <p:ext uri="{BB962C8B-B14F-4D97-AF65-F5344CB8AC3E}">
-        <p14:creationId xmlns:p14="http://schemas.microsoft.com/office/powerpoint/2010/main" val="14771353"/>
       </p:ext>
     </p:extLst>
   </p:cSld>
@@ -3058,603 +2950,6 @@
 </p:sldLayout>
 </file>
 
-<file path=ppt/slideLayouts/slideLayout15.xml><?xml version="1.0" encoding="utf-8"?>
-<p:sldLayout xmlns:a="http://schemas.openxmlformats.org/drawingml/2006/main" xmlns:r="http://schemas.openxmlformats.org/officeDocument/2006/relationships" xmlns:p="http://schemas.openxmlformats.org/presentationml/2006/main" userDrawn="1">
-  <p:cSld name="Introduction 1">
-    <p:spTree>
-      <p:nvGrpSpPr>
-        <p:cNvPr id="1" name=""/>
-        <p:cNvGrpSpPr/>
-        <p:nvPr/>
-      </p:nvGrpSpPr>
-      <p:grpSpPr>
-        <a:xfrm>
-          <a:off x="0" y="0"/>
-          <a:ext cx="0" cy="0"/>
-          <a:chOff x="0" y="0"/>
-          <a:chExt cx="0" cy="0"/>
-        </a:xfrm>
-      </p:grpSpPr>
-      <p:sp>
-        <p:nvSpPr>
-          <p:cNvPr id="5" name="Title 1">
-            <a:extLst>
-              <a:ext uri="{FF2B5EF4-FFF2-40B4-BE49-F238E27FC236}">
-                <a16:creationId xmlns:a16="http://schemas.microsoft.com/office/drawing/2014/main" id="{90A4A873-9306-44F1-9047-F853F0082D08}"/>
-              </a:ext>
-            </a:extLst>
-          </p:cNvPr>
-          <p:cNvSpPr>
-            <a:spLocks noGrp="1"/>
-          </p:cNvSpPr>
-          <p:nvPr>
-            <p:ph type="title" hasCustomPrompt="1"/>
-          </p:nvPr>
-        </p:nvSpPr>
-        <p:spPr>
-          <a:xfrm>
-            <a:off x="4541292" y="457200"/>
-            <a:ext cx="7126530" cy="1569368"/>
-          </a:xfrm>
-        </p:spPr>
-        <p:txBody>
-          <a:bodyPr>
-            <a:noAutofit/>
-          </a:bodyPr>
-          <a:lstStyle>
-            <a:lvl1pPr>
-              <a:defRPr>
-                <a:solidFill>
-                  <a:schemeClr val="tx1"/>
-                </a:solidFill>
-              </a:defRPr>
-            </a:lvl1pPr>
-          </a:lstStyle>
-          <a:p>
-            <a:r>
-              <a:rPr lang="en-US" dirty="0"/>
-              <a:t>Click to add title</a:t>
-            </a:r>
-          </a:p>
-        </p:txBody>
-      </p:sp>
-      <p:sp>
-        <p:nvSpPr>
-          <p:cNvPr id="12" name="Picture Placeholder 11">
-            <a:extLst>
-              <a:ext uri="{FF2B5EF4-FFF2-40B4-BE49-F238E27FC236}">
-                <a16:creationId xmlns:a16="http://schemas.microsoft.com/office/drawing/2014/main" id="{50B5C48D-A262-4537-89A8-437CBFD860EC}"/>
-              </a:ext>
-            </a:extLst>
-          </p:cNvPr>
-          <p:cNvSpPr>
-            <a:spLocks noGrp="1"/>
-          </p:cNvSpPr>
-          <p:nvPr>
-            <p:ph type="pic" sz="quarter" idx="13"/>
-          </p:nvPr>
-        </p:nvSpPr>
-        <p:spPr>
-          <a:xfrm>
-            <a:off x="0" y="0"/>
-            <a:ext cx="4041648" cy="6409944"/>
-          </a:xfrm>
-          <a:solidFill>
-            <a:schemeClr val="accent6"/>
-          </a:solidFill>
-        </p:spPr>
-        <p:txBody>
-          <a:bodyPr tIns="182880" anchor="t" anchorCtr="0">
-            <a:normAutofit/>
-          </a:bodyPr>
-          <a:lstStyle>
-            <a:lvl1pPr marL="0" indent="0" algn="ctr">
-              <a:buNone/>
-              <a:defRPr sz="1400"/>
-            </a:lvl1pPr>
-          </a:lstStyle>
-          <a:p>
-            <a:r>
-              <a:rPr lang="en-US"/>
-              <a:t>Click icon to add picture</a:t>
-            </a:r>
-            <a:endParaRPr lang="en-US" dirty="0"/>
-          </a:p>
-        </p:txBody>
-      </p:sp>
-      <p:sp>
-        <p:nvSpPr>
-          <p:cNvPr id="3" name="Footer Placeholder 2">
-            <a:extLst>
-              <a:ext uri="{FF2B5EF4-FFF2-40B4-BE49-F238E27FC236}">
-                <a16:creationId xmlns:a16="http://schemas.microsoft.com/office/drawing/2014/main" id="{BFCF6B08-1984-4F7C-9F6E-A4F47BDBA215}"/>
-              </a:ext>
-            </a:extLst>
-          </p:cNvPr>
-          <p:cNvSpPr>
-            <a:spLocks noGrp="1"/>
-          </p:cNvSpPr>
-          <p:nvPr>
-            <p:ph type="ftr" sz="quarter" idx="11"/>
-          </p:nvPr>
-        </p:nvSpPr>
-        <p:spPr/>
-        <p:txBody>
-          <a:bodyPr/>
-          <a:lstStyle>
-            <a:lvl1pPr>
-              <a:defRPr>
-                <a:solidFill>
-                  <a:schemeClr val="bg1"/>
-                </a:solidFill>
-              </a:defRPr>
-            </a:lvl1pPr>
-          </a:lstStyle>
-          <a:p>
-            <a:r>
-              <a:rPr lang="en-US" dirty="0"/>
-              <a:t>Presentation Title</a:t>
-            </a:r>
-          </a:p>
-        </p:txBody>
-      </p:sp>
-      <p:sp>
-        <p:nvSpPr>
-          <p:cNvPr id="7" name="Content Placeholder 6">
-            <a:extLst>
-              <a:ext uri="{FF2B5EF4-FFF2-40B4-BE49-F238E27FC236}">
-                <a16:creationId xmlns:a16="http://schemas.microsoft.com/office/drawing/2014/main" id="{CDCF384C-15B5-46CF-BA28-3C6898C9A979}"/>
-              </a:ext>
-            </a:extLst>
-          </p:cNvPr>
-          <p:cNvSpPr>
-            <a:spLocks noGrp="1"/>
-          </p:cNvSpPr>
-          <p:nvPr>
-            <p:ph sz="quarter" idx="17" hasCustomPrompt="1"/>
-          </p:nvPr>
-        </p:nvSpPr>
-        <p:spPr>
-          <a:xfrm>
-            <a:off x="4541838" y="2368550"/>
-            <a:ext cx="7125906" cy="3390900"/>
-          </a:xfrm>
-        </p:spPr>
-        <p:txBody>
-          <a:bodyPr>
-            <a:noAutofit/>
-          </a:bodyPr>
-          <a:lstStyle>
-            <a:lvl1pPr marL="0" indent="0">
-              <a:buNone/>
-              <a:defRPr sz="2000">
-                <a:solidFill>
-                  <a:schemeClr val="tx1"/>
-                </a:solidFill>
-              </a:defRPr>
-            </a:lvl1pPr>
-            <a:lvl2pPr marL="742950" indent="-285750">
-              <a:buFont typeface="Arial" panose="020B0604020202020204" pitchFamily="34" charset="0"/>
-              <a:buChar char="•"/>
-              <a:defRPr sz="2000"/>
-            </a:lvl2pPr>
-            <a:lvl3pPr marL="1200150" indent="-285750">
-              <a:buFont typeface="Arial" panose="020B0604020202020204" pitchFamily="34" charset="0"/>
-              <a:buChar char="•"/>
-              <a:defRPr sz="2000"/>
-            </a:lvl3pPr>
-            <a:lvl4pPr marL="1657350" indent="-285750">
-              <a:buFont typeface="Arial" panose="020B0604020202020204" pitchFamily="34" charset="0"/>
-              <a:buChar char="•"/>
-              <a:defRPr sz="2000"/>
-            </a:lvl4pPr>
-            <a:lvl5pPr marL="2114550" indent="-285750">
-              <a:buFont typeface="Arial" panose="020B0604020202020204" pitchFamily="34" charset="0"/>
-              <a:buChar char="•"/>
-              <a:defRPr sz="2000"/>
-            </a:lvl5pPr>
-          </a:lstStyle>
-          <a:p>
-            <a:pPr lvl="0"/>
-            <a:r>
-              <a:rPr lang="en-US" dirty="0"/>
-              <a:t>Click to add content</a:t>
-            </a:r>
-          </a:p>
-          <a:p>
-            <a:pPr lvl="1"/>
-            <a:r>
-              <a:rPr lang="en-US" dirty="0"/>
-              <a:t>Second level</a:t>
-            </a:r>
-          </a:p>
-          <a:p>
-            <a:pPr lvl="2"/>
-            <a:r>
-              <a:rPr lang="en-US" dirty="0"/>
-              <a:t>Third level</a:t>
-            </a:r>
-          </a:p>
-          <a:p>
-            <a:pPr lvl="3"/>
-            <a:r>
-              <a:rPr lang="en-US" dirty="0"/>
-              <a:t>Fourth level</a:t>
-            </a:r>
-          </a:p>
-          <a:p>
-            <a:pPr lvl="4"/>
-            <a:r>
-              <a:rPr lang="en-US" dirty="0"/>
-              <a:t>Fifth level</a:t>
-            </a:r>
-          </a:p>
-        </p:txBody>
-      </p:sp>
-      <p:sp>
-        <p:nvSpPr>
-          <p:cNvPr id="2" name="Date Placeholder 1">
-            <a:extLst>
-              <a:ext uri="{FF2B5EF4-FFF2-40B4-BE49-F238E27FC236}">
-                <a16:creationId xmlns:a16="http://schemas.microsoft.com/office/drawing/2014/main" id="{B8C9E28E-1389-47AF-B3EB-22571417ACBE}"/>
-              </a:ext>
-            </a:extLst>
-          </p:cNvPr>
-          <p:cNvSpPr>
-            <a:spLocks noGrp="1"/>
-          </p:cNvSpPr>
-          <p:nvPr>
-            <p:ph type="dt" sz="half" idx="10"/>
-          </p:nvPr>
-        </p:nvSpPr>
-        <p:spPr/>
-        <p:txBody>
-          <a:bodyPr/>
-          <a:lstStyle/>
-          <a:p>
-            <a:r>
-              <a:rPr lang="en-US"/>
-              <a:t>20XX</a:t>
-            </a:r>
-            <a:endParaRPr lang="en-US" dirty="0"/>
-          </a:p>
-        </p:txBody>
-      </p:sp>
-      <p:sp>
-        <p:nvSpPr>
-          <p:cNvPr id="4" name="Slide Number Placeholder 3">
-            <a:extLst>
-              <a:ext uri="{FF2B5EF4-FFF2-40B4-BE49-F238E27FC236}">
-                <a16:creationId xmlns:a16="http://schemas.microsoft.com/office/drawing/2014/main" id="{7771B3C5-CEC7-427F-931C-1318C421BEF9}"/>
-              </a:ext>
-            </a:extLst>
-          </p:cNvPr>
-          <p:cNvSpPr>
-            <a:spLocks noGrp="1"/>
-          </p:cNvSpPr>
-          <p:nvPr>
-            <p:ph type="sldNum" sz="quarter" idx="12"/>
-          </p:nvPr>
-        </p:nvSpPr>
-        <p:spPr/>
-        <p:txBody>
-          <a:bodyPr/>
-          <a:lstStyle/>
-          <a:p>
-            <a:fld id="{C01389E6-C847-4AD0-B56D-D205B2EAB1EE}" type="slidenum">
-              <a:rPr lang="en-US" smtClean="0"/>
-              <a:t>‹#›</a:t>
-            </a:fld>
-            <a:endParaRPr lang="en-US" dirty="0"/>
-          </a:p>
-        </p:txBody>
-      </p:sp>
-    </p:spTree>
-    <p:extLst>
-      <p:ext uri="{BB962C8B-B14F-4D97-AF65-F5344CB8AC3E}">
-        <p14:creationId xmlns:p14="http://schemas.microsoft.com/office/powerpoint/2010/main" val="3661618706"/>
-      </p:ext>
-    </p:extLst>
-  </p:cSld>
-  <p:clrMapOvr>
-    <a:masterClrMapping/>
-  </p:clrMapOvr>
-</p:sldLayout>
-</file>
-
-<file path=ppt/slideLayouts/slideLayout16.xml><?xml version="1.0" encoding="utf-8"?>
-<p:sldLayout xmlns:a="http://schemas.openxmlformats.org/drawingml/2006/main" xmlns:r="http://schemas.openxmlformats.org/officeDocument/2006/relationships" xmlns:p="http://schemas.openxmlformats.org/presentationml/2006/main" userDrawn="1">
-  <p:cSld name="Closing">
-    <p:spTree>
-      <p:nvGrpSpPr>
-        <p:cNvPr id="1" name=""/>
-        <p:cNvGrpSpPr/>
-        <p:nvPr/>
-      </p:nvGrpSpPr>
-      <p:grpSpPr>
-        <a:xfrm>
-          <a:off x="0" y="0"/>
-          <a:ext cx="0" cy="0"/>
-          <a:chOff x="0" y="0"/>
-          <a:chExt cx="0" cy="0"/>
-        </a:xfrm>
-      </p:grpSpPr>
-      <p:sp>
-        <p:nvSpPr>
-          <p:cNvPr id="10" name="Title 9">
-            <a:extLst>
-              <a:ext uri="{FF2B5EF4-FFF2-40B4-BE49-F238E27FC236}">
-                <a16:creationId xmlns:a16="http://schemas.microsoft.com/office/drawing/2014/main" id="{79266C16-8EA6-D555-3ADA-1DE204938A28}"/>
-              </a:ext>
-            </a:extLst>
-          </p:cNvPr>
-          <p:cNvSpPr>
-            <a:spLocks noGrp="1"/>
-          </p:cNvSpPr>
-          <p:nvPr>
-            <p:ph type="title"/>
-          </p:nvPr>
-        </p:nvSpPr>
-        <p:spPr>
-          <a:xfrm>
-            <a:off x="6518562" y="366777"/>
-            <a:ext cx="5216238" cy="3382263"/>
-          </a:xfrm>
-        </p:spPr>
-        <p:txBody>
-          <a:bodyPr/>
-          <a:lstStyle/>
-          <a:p>
-            <a:r>
-              <a:rPr lang="en-US"/>
-              <a:t>Click to edit Master title style</a:t>
-            </a:r>
-            <a:endParaRPr lang="en-US" dirty="0"/>
-          </a:p>
-        </p:txBody>
-      </p:sp>
-      <p:sp>
-        <p:nvSpPr>
-          <p:cNvPr id="9" name="Picture Placeholder 8">
-            <a:extLst>
-              <a:ext uri="{FF2B5EF4-FFF2-40B4-BE49-F238E27FC236}">
-                <a16:creationId xmlns:a16="http://schemas.microsoft.com/office/drawing/2014/main" id="{DA2D2C88-FFBE-4F25-871F-68A09C5F530F}"/>
-              </a:ext>
-            </a:extLst>
-          </p:cNvPr>
-          <p:cNvSpPr>
-            <a:spLocks noGrp="1"/>
-          </p:cNvSpPr>
-          <p:nvPr>
-            <p:ph type="pic" sz="quarter" idx="13"/>
-          </p:nvPr>
-        </p:nvSpPr>
-        <p:spPr>
-          <a:xfrm>
-            <a:off x="0" y="0"/>
-            <a:ext cx="6096000" cy="6409944"/>
-          </a:xfrm>
-          <a:solidFill>
-            <a:schemeClr val="accent6"/>
-          </a:solidFill>
-        </p:spPr>
-        <p:txBody>
-          <a:bodyPr tIns="274320" anchor="t" anchorCtr="0">
-            <a:normAutofit/>
-          </a:bodyPr>
-          <a:lstStyle>
-            <a:lvl1pPr marL="0" indent="0" algn="ctr">
-              <a:buNone/>
-              <a:defRPr sz="1600"/>
-            </a:lvl1pPr>
-          </a:lstStyle>
-          <a:p>
-            <a:r>
-              <a:rPr lang="en-US"/>
-              <a:t>Click icon to add picture</a:t>
-            </a:r>
-            <a:endParaRPr lang="en-US" dirty="0"/>
-          </a:p>
-        </p:txBody>
-      </p:sp>
-      <p:sp>
-        <p:nvSpPr>
-          <p:cNvPr id="3" name="Footer Placeholder 2">
-            <a:extLst>
-              <a:ext uri="{FF2B5EF4-FFF2-40B4-BE49-F238E27FC236}">
-                <a16:creationId xmlns:a16="http://schemas.microsoft.com/office/drawing/2014/main" id="{BFCF6B08-1984-4F7C-9F6E-A4F47BDBA215}"/>
-              </a:ext>
-            </a:extLst>
-          </p:cNvPr>
-          <p:cNvSpPr>
-            <a:spLocks noGrp="1"/>
-          </p:cNvSpPr>
-          <p:nvPr>
-            <p:ph type="ftr" sz="quarter" idx="11"/>
-          </p:nvPr>
-        </p:nvSpPr>
-        <p:spPr/>
-        <p:txBody>
-          <a:bodyPr/>
-          <a:lstStyle>
-            <a:lvl1pPr>
-              <a:defRPr>
-                <a:solidFill>
-                  <a:schemeClr val="bg1"/>
-                </a:solidFill>
-              </a:defRPr>
-            </a:lvl1pPr>
-          </a:lstStyle>
-          <a:p>
-            <a:r>
-              <a:rPr lang="en-US" dirty="0"/>
-              <a:t>Presentation Title</a:t>
-            </a:r>
-          </a:p>
-        </p:txBody>
-      </p:sp>
-      <p:sp>
-        <p:nvSpPr>
-          <p:cNvPr id="8" name="Content Placeholder 7">
-            <a:extLst>
-              <a:ext uri="{FF2B5EF4-FFF2-40B4-BE49-F238E27FC236}">
-                <a16:creationId xmlns:a16="http://schemas.microsoft.com/office/drawing/2014/main" id="{8D0529A2-5928-42C4-B397-6AEE7520D2C9}"/>
-              </a:ext>
-            </a:extLst>
-          </p:cNvPr>
-          <p:cNvSpPr>
-            <a:spLocks noGrp="1"/>
-          </p:cNvSpPr>
-          <p:nvPr>
-            <p:ph sz="quarter" idx="14"/>
-          </p:nvPr>
-        </p:nvSpPr>
-        <p:spPr>
-          <a:xfrm>
-            <a:off x="6518562" y="3923818"/>
-            <a:ext cx="5216239" cy="2349660"/>
-          </a:xfrm>
-        </p:spPr>
-        <p:txBody>
-          <a:bodyPr tIns="91440">
-            <a:noAutofit/>
-          </a:bodyPr>
-          <a:lstStyle>
-            <a:lvl1pPr>
-              <a:buNone/>
-              <a:defRPr sz="2000">
-                <a:solidFill>
-                  <a:schemeClr val="tx1"/>
-                </a:solidFill>
-              </a:defRPr>
-            </a:lvl1pPr>
-            <a:lvl2pPr marL="800100" indent="-342900">
-              <a:buFont typeface="Arial" panose="020B0604020202020204" pitchFamily="34" charset="0"/>
-              <a:buChar char="•"/>
-              <a:defRPr sz="2000"/>
-            </a:lvl2pPr>
-            <a:lvl3pPr>
-              <a:buNone/>
-              <a:defRPr sz="2000"/>
-            </a:lvl3pPr>
-            <a:lvl4pPr>
-              <a:buNone/>
-              <a:defRPr sz="2000"/>
-            </a:lvl4pPr>
-            <a:lvl5pPr>
-              <a:buNone/>
-              <a:defRPr sz="2000"/>
-            </a:lvl5pPr>
-          </a:lstStyle>
-          <a:p>
-            <a:pPr lvl="0"/>
-            <a:r>
-              <a:rPr lang="en-US"/>
-              <a:t>Click to edit Master text styles</a:t>
-            </a:r>
-          </a:p>
-          <a:p>
-            <a:pPr lvl="1"/>
-            <a:r>
-              <a:rPr lang="en-US"/>
-              <a:t>Second level</a:t>
-            </a:r>
-          </a:p>
-          <a:p>
-            <a:pPr lvl="2"/>
-            <a:r>
-              <a:rPr lang="en-US"/>
-              <a:t>Third level</a:t>
-            </a:r>
-          </a:p>
-          <a:p>
-            <a:pPr lvl="3"/>
-            <a:r>
-              <a:rPr lang="en-US"/>
-              <a:t>Fourth level</a:t>
-            </a:r>
-          </a:p>
-          <a:p>
-            <a:pPr lvl="4"/>
-            <a:r>
-              <a:rPr lang="en-US"/>
-              <a:t>Fifth level</a:t>
-            </a:r>
-            <a:endParaRPr lang="en-US" dirty="0"/>
-          </a:p>
-        </p:txBody>
-      </p:sp>
-      <p:sp>
-        <p:nvSpPr>
-          <p:cNvPr id="2" name="Date Placeholder 1">
-            <a:extLst>
-              <a:ext uri="{FF2B5EF4-FFF2-40B4-BE49-F238E27FC236}">
-                <a16:creationId xmlns:a16="http://schemas.microsoft.com/office/drawing/2014/main" id="{B8C9E28E-1389-47AF-B3EB-22571417ACBE}"/>
-              </a:ext>
-            </a:extLst>
-          </p:cNvPr>
-          <p:cNvSpPr>
-            <a:spLocks noGrp="1"/>
-          </p:cNvSpPr>
-          <p:nvPr>
-            <p:ph type="dt" sz="half" idx="10"/>
-          </p:nvPr>
-        </p:nvSpPr>
-        <p:spPr/>
-        <p:txBody>
-          <a:bodyPr/>
-          <a:lstStyle/>
-          <a:p>
-            <a:r>
-              <a:rPr lang="en-US"/>
-              <a:t>20XX</a:t>
-            </a:r>
-            <a:endParaRPr lang="en-US" dirty="0"/>
-          </a:p>
-        </p:txBody>
-      </p:sp>
-      <p:sp>
-        <p:nvSpPr>
-          <p:cNvPr id="4" name="Slide Number Placeholder 3">
-            <a:extLst>
-              <a:ext uri="{FF2B5EF4-FFF2-40B4-BE49-F238E27FC236}">
-                <a16:creationId xmlns:a16="http://schemas.microsoft.com/office/drawing/2014/main" id="{7771B3C5-CEC7-427F-931C-1318C421BEF9}"/>
-              </a:ext>
-            </a:extLst>
-          </p:cNvPr>
-          <p:cNvSpPr>
-            <a:spLocks noGrp="1"/>
-          </p:cNvSpPr>
-          <p:nvPr>
-            <p:ph type="sldNum" sz="quarter" idx="12"/>
-          </p:nvPr>
-        </p:nvSpPr>
-        <p:spPr/>
-        <p:txBody>
-          <a:bodyPr/>
-          <a:lstStyle/>
-          <a:p>
-            <a:fld id="{C01389E6-C847-4AD0-B56D-D205B2EAB1EE}" type="slidenum">
-              <a:rPr lang="en-US" smtClean="0"/>
-              <a:t>‹#›</a:t>
-            </a:fld>
-            <a:endParaRPr lang="en-US" dirty="0"/>
-          </a:p>
-        </p:txBody>
-      </p:sp>
-    </p:spTree>
-    <p:extLst>
-      <p:ext uri="{BB962C8B-B14F-4D97-AF65-F5344CB8AC3E}">
-        <p14:creationId xmlns:p14="http://schemas.microsoft.com/office/powerpoint/2010/main" val="209079719"/>
-      </p:ext>
-    </p:extLst>
-  </p:cSld>
-  <p:clrMapOvr>
-    <a:masterClrMapping/>
-  </p:clrMapOvr>
-</p:sldLayout>
-</file>
-
 <file path=ppt/slideLayouts/slideLayout2.xml><?xml version="1.0" encoding="utf-8"?>
 <p:sldLayout xmlns:a="http://schemas.openxmlformats.org/drawingml/2006/main" xmlns:r="http://schemas.openxmlformats.org/officeDocument/2006/relationships" xmlns:p="http://schemas.openxmlformats.org/presentationml/2006/main" type="obj" preserve="1">
   <p:cSld name="Title and Content">
@@ -6294,8 +5589,6 @@
     <p:sldLayoutId id="2147483740" r:id="rId12"/>
     <p:sldLayoutId id="2147483744" r:id="rId13"/>
     <p:sldLayoutId id="2147483746" r:id="rId14"/>
-    <p:sldLayoutId id="2147483747" r:id="rId15"/>
-    <p:sldLayoutId id="2147483752" r:id="rId16"/>
   </p:sldLayoutIdLst>
   <p:hf hdr="0" ftr="0" dt="0"/>
   <p:txStyles>
@@ -6757,15 +6050,7 @@
             </a:pPr>
             <a:r>
               <a:rPr lang="en-US" sz="2400" dirty="0"/>
-              <a:t>Westernized word referring to inns on ancient </a:t>
-            </a:r>
-            <a:r>
-              <a:rPr lang="en-US" sz="2400" dirty="0" err="1"/>
-              <a:t>traderoutes</a:t>
-            </a:r>
-            <a:r>
-              <a:rPr lang="en-US" sz="2400" dirty="0"/>
-              <a:t> were merchants could safely gather.</a:t>
+              <a:t>Westernized word referring to inns on ancient trade routes where merchants could safely gather.</a:t>
             </a:r>
           </a:p>
           <a:p>
@@ -6923,17 +6208,7 @@
             </a:pPr>
             <a:r>
               <a:rPr lang="en-US" sz="2400" dirty="0"/>
-              <a:t>A user interface for multiple customers to interact.</a:t>
-            </a:r>
-          </a:p>
-          <a:p>
-            <a:pPr marL="342900" indent="-342900">
-              <a:buFont typeface="Arial" panose="020B0604020202020204" pitchFamily="34" charset="0"/>
-              <a:buChar char="•"/>
-            </a:pPr>
-            <a:r>
-              <a:rPr lang="en-US" sz="2400" dirty="0"/>
-              <a:t>Anonymous browsing and trading between clients.</a:t>
+              <a:t>A user interface for multiple customers to interact and make anonymous trades of bartered products.</a:t>
             </a:r>
           </a:p>
           <a:p>
@@ -7079,7 +6354,7 @@
             </a:pPr>
             <a:r>
               <a:rPr lang="en-US" sz="2400" dirty="0"/>
-              <a:t>PHP/MySQL for database organization.</a:t>
+              <a:t>PHP/JavaScript for database organization.</a:t>
             </a:r>
           </a:p>
         </p:txBody>
@@ -7305,7 +6580,13 @@
   <p:cSld>
     <p:spTree>
       <p:nvGrpSpPr>
-        <p:cNvPr id="1" name=""/>
+        <p:cNvPr id="1" name="">
+          <a:extLst>
+            <a:ext uri="{FF2B5EF4-FFF2-40B4-BE49-F238E27FC236}">
+              <a16:creationId xmlns:a16="http://schemas.microsoft.com/office/drawing/2014/main" id="{CAF7C3B7-186B-1E63-6BD0-4B879DF2F1DB}"/>
+            </a:ext>
+          </a:extLst>
+        </p:cNvPr>
         <p:cNvGrpSpPr/>
         <p:nvPr/>
       </p:nvGrpSpPr>
@@ -7319,10 +6600,10 @@
       </p:grpSpPr>
       <p:sp>
         <p:nvSpPr>
-          <p:cNvPr id="24" name="Title 23">
-            <a:extLst>
-              <a:ext uri="{FF2B5EF4-FFF2-40B4-BE49-F238E27FC236}">
-                <a16:creationId xmlns:a16="http://schemas.microsoft.com/office/drawing/2014/main" id="{27C1F976-19D9-4B3A-5154-7A1274E0806D}"/>
+          <p:cNvPr id="2" name="Title 1">
+            <a:extLst>
+              <a:ext uri="{FF2B5EF4-FFF2-40B4-BE49-F238E27FC236}">
+                <a16:creationId xmlns:a16="http://schemas.microsoft.com/office/drawing/2014/main" id="{CFE069CB-3B06-4FAA-9FB1-6C68008B637A}"/>
               </a:ext>
             </a:extLst>
           </p:cNvPr>
@@ -7340,51 +6621,33 @@
           <a:p>
             <a:r>
               <a:rPr lang="en-US" dirty="0"/>
-              <a:t>Expected Outcomes</a:t>
-            </a:r>
-          </a:p>
-        </p:txBody>
-      </p:sp>
-      <p:pic>
-        <p:nvPicPr>
-          <p:cNvPr id="28" name="Picture Placeholder 27" descr="A close up of a dj mixer">
-            <a:extLst>
-              <a:ext uri="{FF2B5EF4-FFF2-40B4-BE49-F238E27FC236}">
-                <a16:creationId xmlns:a16="http://schemas.microsoft.com/office/drawing/2014/main" id="{883BEC4E-FACA-49F1-8A18-5A235BD6E203}"/>
-              </a:ext>
-            </a:extLst>
-          </p:cNvPr>
-          <p:cNvPicPr>
-            <a:picLocks noGrp="1" noChangeAspect="1"/>
-          </p:cNvPicPr>
-          <p:nvPr>
-            <p:ph type="pic" sz="quarter" idx="13"/>
-          </p:nvPr>
-        </p:nvPicPr>
-        <p:blipFill>
-          <a:blip r:embed="rId2"/>
-          <a:srcRect t="18" b="18"/>
-          <a:stretch/>
-        </p:blipFill>
-        <p:spPr/>
-      </p:pic>
-      <p:sp>
-        <p:nvSpPr>
-          <p:cNvPr id="26" name="Content Placeholder 25">
-            <a:extLst>
-              <a:ext uri="{FF2B5EF4-FFF2-40B4-BE49-F238E27FC236}">
-                <a16:creationId xmlns:a16="http://schemas.microsoft.com/office/drawing/2014/main" id="{C746A096-1F10-75ED-9DB7-57ED932FACB5}"/>
-              </a:ext>
-            </a:extLst>
-          </p:cNvPr>
-          <p:cNvSpPr>
-            <a:spLocks noGrp="1"/>
-          </p:cNvSpPr>
-          <p:nvPr>
-            <p:ph sz="quarter" idx="17"/>
-          </p:nvPr>
-        </p:nvSpPr>
-        <p:spPr/>
+              <a:t>Expected outcomes</a:t>
+            </a:r>
+          </a:p>
+        </p:txBody>
+      </p:sp>
+      <p:sp>
+        <p:nvSpPr>
+          <p:cNvPr id="3" name="Content Placeholder 2">
+            <a:extLst>
+              <a:ext uri="{FF2B5EF4-FFF2-40B4-BE49-F238E27FC236}">
+                <a16:creationId xmlns:a16="http://schemas.microsoft.com/office/drawing/2014/main" id="{5DF4D70B-5025-2A5A-F3B4-92C19C327AFA}"/>
+              </a:ext>
+            </a:extLst>
+          </p:cNvPr>
+          <p:cNvSpPr>
+            <a:spLocks noGrp="1"/>
+          </p:cNvSpPr>
+          <p:nvPr>
+            <p:ph idx="13"/>
+          </p:nvPr>
+        </p:nvSpPr>
+        <p:spPr>
+          <a:xfrm>
+            <a:off x="974171" y="2441273"/>
+            <a:ext cx="10116615" cy="3776596"/>
+          </a:xfrm>
+        </p:spPr>
         <p:txBody>
           <a:bodyPr/>
           <a:lstStyle/>
@@ -7394,7 +6657,7 @@
               <a:buChar char="•"/>
             </a:pPr>
             <a:r>
-              <a:rPr lang="en-US" dirty="0"/>
+              <a:rPr lang="en-US" sz="2400" dirty="0"/>
               <a:t>A functional database platform that allows for users to create accounts and trade products anonymously.</a:t>
             </a:r>
           </a:p>
@@ -7404,7 +6667,7 @@
               <a:buChar char="•"/>
             </a:pPr>
             <a:r>
-              <a:rPr lang="en-US" dirty="0"/>
+              <a:rPr lang="en-US" sz="2400" dirty="0"/>
               <a:t>An eight-page status and research report regarding the technology used.</a:t>
             </a:r>
           </a:p>
@@ -7414,8 +6677,8 @@
               <a:buChar char="•"/>
             </a:pPr>
             <a:r>
-              <a:rPr lang="en-US" dirty="0"/>
-              <a:t>A rich, full, delightful college experience from gracious and very competent instructors.</a:t>
+              <a:rPr lang="en-US" sz="2400" dirty="0"/>
+              <a:t>A rich, full, delightful college experience from gracious and highly competent educators.</a:t>
             </a:r>
           </a:p>
           <a:p>
@@ -7432,14 +6695,28 @@
             </a:pPr>
             <a:endParaRPr lang="en-US" dirty="0"/>
           </a:p>
-        </p:txBody>
-      </p:sp>
-      <p:sp>
-        <p:nvSpPr>
-          <p:cNvPr id="8" name="Slide Number Placeholder 7">
-            <a:extLst>
-              <a:ext uri="{FF2B5EF4-FFF2-40B4-BE49-F238E27FC236}">
-                <a16:creationId xmlns:a16="http://schemas.microsoft.com/office/drawing/2014/main" id="{8A865451-9850-B9FC-5CD5-D14FD2784BA0}"/>
+          <a:p>
+            <a:pPr marL="342900" indent="-342900">
+              <a:buFont typeface="Arial" panose="020B0604020202020204" pitchFamily="34" charset="0"/>
+              <a:buChar char="•"/>
+            </a:pPr>
+            <a:endParaRPr lang="en-US" dirty="0"/>
+          </a:p>
+          <a:p>
+            <a:pPr marL="342900" indent="-342900">
+              <a:buFont typeface="Arial" panose="020B0604020202020204" pitchFamily="34" charset="0"/>
+              <a:buChar char="•"/>
+            </a:pPr>
+            <a:endParaRPr lang="en-US" dirty="0"/>
+          </a:p>
+        </p:txBody>
+      </p:sp>
+      <p:sp>
+        <p:nvSpPr>
+          <p:cNvPr id="5" name="Slide Number Placeholder 4">
+            <a:extLst>
+              <a:ext uri="{FF2B5EF4-FFF2-40B4-BE49-F238E27FC236}">
+                <a16:creationId xmlns:a16="http://schemas.microsoft.com/office/drawing/2014/main" id="{E7326B8A-F38A-8A57-F4F7-FD89835E74CD}"/>
               </a:ext>
             </a:extLst>
           </p:cNvPr>
@@ -7467,7 +6744,7 @@
     </p:spTree>
     <p:extLst>
       <p:ext uri="{BB962C8B-B14F-4D97-AF65-F5344CB8AC3E}">
-        <p14:creationId xmlns:p14="http://schemas.microsoft.com/office/powerpoint/2010/main" val="3365604883"/>
+        <p14:creationId xmlns:p14="http://schemas.microsoft.com/office/powerpoint/2010/main" val="4173077451"/>
       </p:ext>
     </p:extLst>
   </p:cSld>
@@ -7485,7 +6762,7 @@
         <p:cNvPr id="1" name="">
           <a:extLst>
             <a:ext uri="{FF2B5EF4-FFF2-40B4-BE49-F238E27FC236}">
-              <a16:creationId xmlns:a16="http://schemas.microsoft.com/office/drawing/2014/main" id="{65186F80-7215-47FB-657E-C8F2797A72BC}"/>
+              <a16:creationId xmlns:a16="http://schemas.microsoft.com/office/drawing/2014/main" id="{F640B65A-48E2-3B22-1E89-2566FE63E01E}"/>
             </a:ext>
           </a:extLst>
         </p:cNvPr>
@@ -7502,10 +6779,10 @@
       </p:grpSpPr>
       <p:sp>
         <p:nvSpPr>
-          <p:cNvPr id="13" name="Title 12">
-            <a:extLst>
-              <a:ext uri="{FF2B5EF4-FFF2-40B4-BE49-F238E27FC236}">
-                <a16:creationId xmlns:a16="http://schemas.microsoft.com/office/drawing/2014/main" id="{A64777FC-99CE-D7D5-132F-9A5CD5126417}"/>
+          <p:cNvPr id="2" name="Title 1">
+            <a:extLst>
+              <a:ext uri="{FF2B5EF4-FFF2-40B4-BE49-F238E27FC236}">
+                <a16:creationId xmlns:a16="http://schemas.microsoft.com/office/drawing/2014/main" id="{540792EA-C235-545D-E772-8E335B87425F}"/>
               </a:ext>
             </a:extLst>
           </p:cNvPr>
@@ -7516,12 +6793,7 @@
             <p:ph type="title"/>
           </p:nvPr>
         </p:nvSpPr>
-        <p:spPr>
-          <a:xfrm>
-            <a:off x="6518562" y="366777"/>
-            <a:ext cx="5094318" cy="3382263"/>
-          </a:xfrm>
-        </p:spPr>
+        <p:spPr/>
         <p:txBody>
           <a:bodyPr/>
           <a:lstStyle/>
@@ -7533,84 +6805,12 @@
           </a:p>
         </p:txBody>
       </p:sp>
-      <p:pic>
-        <p:nvPicPr>
-          <p:cNvPr id="20" name="Picture Placeholder 19" descr="A close-up of a DJ playing music">
-            <a:extLst>
-              <a:ext uri="{FF2B5EF4-FFF2-40B4-BE49-F238E27FC236}">
-                <a16:creationId xmlns:a16="http://schemas.microsoft.com/office/drawing/2014/main" id="{9668A41A-8DDF-D3FB-6B31-728C899D8E59}"/>
-              </a:ext>
-            </a:extLst>
-          </p:cNvPr>
-          <p:cNvPicPr>
-            <a:picLocks noGrp="1" noChangeAspect="1"/>
-          </p:cNvPicPr>
-          <p:nvPr>
-            <p:ph type="pic" sz="quarter" idx="13"/>
-          </p:nvPr>
-        </p:nvPicPr>
-        <p:blipFill>
-          <a:blip r:embed="rId3"/>
-          <a:srcRect t="21" b="21"/>
-          <a:stretch/>
-        </p:blipFill>
-        <p:spPr/>
-      </p:pic>
-      <p:sp>
-        <p:nvSpPr>
-          <p:cNvPr id="15" name="Content Placeholder 14">
-            <a:extLst>
-              <a:ext uri="{FF2B5EF4-FFF2-40B4-BE49-F238E27FC236}">
-                <a16:creationId xmlns:a16="http://schemas.microsoft.com/office/drawing/2014/main" id="{C2304883-A247-1151-C58C-A464EDAEB520}"/>
-              </a:ext>
-            </a:extLst>
-          </p:cNvPr>
-          <p:cNvSpPr>
-            <a:spLocks noGrp="1"/>
-          </p:cNvSpPr>
-          <p:nvPr>
-            <p:ph sz="quarter" idx="14"/>
-          </p:nvPr>
-        </p:nvSpPr>
-        <p:spPr/>
-        <p:txBody>
-          <a:bodyPr/>
-          <a:lstStyle/>
-          <a:p>
-            <a:r>
-              <a:rPr lang="en-US" dirty="0"/>
-              <a:t>Todd Carter and Anna Milligan</a:t>
-            </a:r>
-          </a:p>
-          <a:p>
-            <a:r>
-              <a:rPr lang="en-US" dirty="0">
-                <a:hlinkClick r:id="rId4"/>
-              </a:rPr>
-              <a:t>cart7982@vandals.uidaho.edu</a:t>
-            </a:r>
-            <a:endParaRPr lang="en-US" dirty="0"/>
-          </a:p>
-          <a:p>
-            <a:r>
-              <a:rPr lang="en-US" dirty="0">
-                <a:hlinkClick r:id="rId5"/>
-              </a:rPr>
-              <a:t>bookwormer104@gmail.com</a:t>
-            </a:r>
-            <a:endParaRPr lang="en-US" dirty="0"/>
-          </a:p>
-          <a:p>
-            <a:endParaRPr lang="en-US" dirty="0"/>
-          </a:p>
-        </p:txBody>
-      </p:sp>
-      <p:sp>
-        <p:nvSpPr>
-          <p:cNvPr id="6" name="Slide Number Placeholder 5">
-            <a:extLst>
-              <a:ext uri="{FF2B5EF4-FFF2-40B4-BE49-F238E27FC236}">
-                <a16:creationId xmlns:a16="http://schemas.microsoft.com/office/drawing/2014/main" id="{EE31A628-6E9B-44AE-A7C9-B2E987849FD2}"/>
+      <p:sp>
+        <p:nvSpPr>
+          <p:cNvPr id="4" name="Slide Number Placeholder 3">
+            <a:extLst>
+              <a:ext uri="{FF2B5EF4-FFF2-40B4-BE49-F238E27FC236}">
+                <a16:creationId xmlns:a16="http://schemas.microsoft.com/office/drawing/2014/main" id="{8C3BC7F9-6A27-57DE-CA94-743B73751184}"/>
               </a:ext>
             </a:extLst>
           </p:cNvPr>
@@ -7635,10 +6835,234 @@
           </a:p>
         </p:txBody>
       </p:sp>
+      <p:sp>
+        <p:nvSpPr>
+          <p:cNvPr id="8" name="Content Placeholder 14">
+            <a:extLst>
+              <a:ext uri="{FF2B5EF4-FFF2-40B4-BE49-F238E27FC236}">
+                <a16:creationId xmlns:a16="http://schemas.microsoft.com/office/drawing/2014/main" id="{67EDD3CE-FF66-6110-AF9A-2F222402DC27}"/>
+              </a:ext>
+            </a:extLst>
+          </p:cNvPr>
+          <p:cNvSpPr txBox="1">
+            <a:spLocks/>
+          </p:cNvSpPr>
+          <p:nvPr/>
+        </p:nvSpPr>
+        <p:spPr>
+          <a:xfrm>
+            <a:off x="6670961" y="2507723"/>
+            <a:ext cx="5216239" cy="2349660"/>
+          </a:xfrm>
+          <a:prstGeom prst="rect">
+            <a:avLst/>
+          </a:prstGeom>
+        </p:spPr>
+        <p:txBody>
+          <a:bodyPr/>
+          <a:lstStyle>
+            <a:lvl1pPr marL="228600" indent="-228600" algn="l" defTabSz="914400" rtl="0" eaLnBrk="1" latinLnBrk="0" hangingPunct="1">
+              <a:lnSpc>
+                <a:spcPct val="120000"/>
+              </a:lnSpc>
+              <a:spcBef>
+                <a:spcPts val="1000"/>
+              </a:spcBef>
+              <a:buFont typeface="Arial" panose="020B0604020202020204" pitchFamily="34" charset="0"/>
+              <a:buChar char="•"/>
+              <a:defRPr sz="2000" kern="1200">
+                <a:solidFill>
+                  <a:schemeClr val="tx1"/>
+                </a:solidFill>
+                <a:latin typeface="+mn-lt"/>
+                <a:ea typeface="+mn-ea"/>
+                <a:cs typeface="+mn-cs"/>
+              </a:defRPr>
+            </a:lvl1pPr>
+            <a:lvl2pPr marL="685800" indent="-228600" algn="l" defTabSz="914400" rtl="0" eaLnBrk="1" latinLnBrk="0" hangingPunct="1">
+              <a:lnSpc>
+                <a:spcPct val="120000"/>
+              </a:lnSpc>
+              <a:spcBef>
+                <a:spcPts val="500"/>
+              </a:spcBef>
+              <a:buFont typeface="Arial" panose="020B0604020202020204" pitchFamily="34" charset="0"/>
+              <a:buChar char="•"/>
+              <a:defRPr sz="2000" kern="1200">
+                <a:solidFill>
+                  <a:schemeClr val="tx1"/>
+                </a:solidFill>
+                <a:latin typeface="+mn-lt"/>
+                <a:ea typeface="+mn-ea"/>
+                <a:cs typeface="+mn-cs"/>
+              </a:defRPr>
+            </a:lvl2pPr>
+            <a:lvl3pPr marL="1143000" indent="-228600" algn="l" defTabSz="914400" rtl="0" eaLnBrk="1" latinLnBrk="0" hangingPunct="1">
+              <a:lnSpc>
+                <a:spcPct val="120000"/>
+              </a:lnSpc>
+              <a:spcBef>
+                <a:spcPts val="500"/>
+              </a:spcBef>
+              <a:buFont typeface="Arial" panose="020B0604020202020204" pitchFamily="34" charset="0"/>
+              <a:buChar char="•"/>
+              <a:defRPr sz="1800" kern="1200">
+                <a:solidFill>
+                  <a:schemeClr val="tx1"/>
+                </a:solidFill>
+                <a:latin typeface="+mn-lt"/>
+                <a:ea typeface="+mn-ea"/>
+                <a:cs typeface="+mn-cs"/>
+              </a:defRPr>
+            </a:lvl3pPr>
+            <a:lvl4pPr marL="1600200" indent="-228600" algn="l" defTabSz="914400" rtl="0" eaLnBrk="1" latinLnBrk="0" hangingPunct="1">
+              <a:lnSpc>
+                <a:spcPct val="120000"/>
+              </a:lnSpc>
+              <a:spcBef>
+                <a:spcPts val="500"/>
+              </a:spcBef>
+              <a:buFont typeface="Arial" panose="020B0604020202020204" pitchFamily="34" charset="0"/>
+              <a:buChar char="•"/>
+              <a:defRPr sz="1600" kern="1200">
+                <a:solidFill>
+                  <a:schemeClr val="tx1"/>
+                </a:solidFill>
+                <a:latin typeface="+mn-lt"/>
+                <a:ea typeface="+mn-ea"/>
+                <a:cs typeface="+mn-cs"/>
+              </a:defRPr>
+            </a:lvl4pPr>
+            <a:lvl5pPr marL="2057400" indent="-228600" algn="l" defTabSz="914400" rtl="0" eaLnBrk="1" latinLnBrk="0" hangingPunct="1">
+              <a:lnSpc>
+                <a:spcPct val="120000"/>
+              </a:lnSpc>
+              <a:spcBef>
+                <a:spcPts val="500"/>
+              </a:spcBef>
+              <a:buFont typeface="Arial" panose="020B0604020202020204" pitchFamily="34" charset="0"/>
+              <a:buChar char="•"/>
+              <a:defRPr sz="1600" kern="1200">
+                <a:solidFill>
+                  <a:schemeClr val="tx1"/>
+                </a:solidFill>
+                <a:latin typeface="+mn-lt"/>
+                <a:ea typeface="+mn-ea"/>
+                <a:cs typeface="+mn-cs"/>
+              </a:defRPr>
+            </a:lvl5pPr>
+            <a:lvl6pPr marL="2514600" indent="-228600" algn="l" defTabSz="914400" rtl="0" eaLnBrk="1" latinLnBrk="0" hangingPunct="1">
+              <a:lnSpc>
+                <a:spcPct val="90000"/>
+              </a:lnSpc>
+              <a:spcBef>
+                <a:spcPts val="500"/>
+              </a:spcBef>
+              <a:buFont typeface="Arial" panose="020B0604020202020204" pitchFamily="34" charset="0"/>
+              <a:buChar char="•"/>
+              <a:defRPr sz="1800" kern="1200">
+                <a:solidFill>
+                  <a:schemeClr val="tx1"/>
+                </a:solidFill>
+                <a:latin typeface="+mn-lt"/>
+                <a:ea typeface="+mn-ea"/>
+                <a:cs typeface="+mn-cs"/>
+              </a:defRPr>
+            </a:lvl6pPr>
+            <a:lvl7pPr marL="2971800" indent="-228600" algn="l" defTabSz="914400" rtl="0" eaLnBrk="1" latinLnBrk="0" hangingPunct="1">
+              <a:lnSpc>
+                <a:spcPct val="90000"/>
+              </a:lnSpc>
+              <a:spcBef>
+                <a:spcPts val="500"/>
+              </a:spcBef>
+              <a:buFont typeface="Arial" panose="020B0604020202020204" pitchFamily="34" charset="0"/>
+              <a:buChar char="•"/>
+              <a:defRPr sz="1800" kern="1200">
+                <a:solidFill>
+                  <a:schemeClr val="tx1"/>
+                </a:solidFill>
+                <a:latin typeface="+mn-lt"/>
+                <a:ea typeface="+mn-ea"/>
+                <a:cs typeface="+mn-cs"/>
+              </a:defRPr>
+            </a:lvl7pPr>
+            <a:lvl8pPr marL="3429000" indent="-228600" algn="l" defTabSz="914400" rtl="0" eaLnBrk="1" latinLnBrk="0" hangingPunct="1">
+              <a:lnSpc>
+                <a:spcPct val="90000"/>
+              </a:lnSpc>
+              <a:spcBef>
+                <a:spcPts val="500"/>
+              </a:spcBef>
+              <a:buFont typeface="Arial" panose="020B0604020202020204" pitchFamily="34" charset="0"/>
+              <a:buChar char="•"/>
+              <a:defRPr sz="1800" kern="1200">
+                <a:solidFill>
+                  <a:schemeClr val="tx1"/>
+                </a:solidFill>
+                <a:latin typeface="+mn-lt"/>
+                <a:ea typeface="+mn-ea"/>
+                <a:cs typeface="+mn-cs"/>
+              </a:defRPr>
+            </a:lvl8pPr>
+            <a:lvl9pPr marL="3886200" indent="-228600" algn="l" defTabSz="914400" rtl="0" eaLnBrk="1" latinLnBrk="0" hangingPunct="1">
+              <a:lnSpc>
+                <a:spcPct val="90000"/>
+              </a:lnSpc>
+              <a:spcBef>
+                <a:spcPts val="500"/>
+              </a:spcBef>
+              <a:buFont typeface="Arial" panose="020B0604020202020204" pitchFamily="34" charset="0"/>
+              <a:buChar char="•"/>
+              <a:defRPr sz="1800" kern="1200">
+                <a:solidFill>
+                  <a:schemeClr val="tx1"/>
+                </a:solidFill>
+                <a:latin typeface="+mn-lt"/>
+                <a:ea typeface="+mn-ea"/>
+                <a:cs typeface="+mn-cs"/>
+              </a:defRPr>
+            </a:lvl9pPr>
+          </a:lstStyle>
+          <a:p>
+            <a:r>
+              <a:rPr lang="en-US" dirty="0"/>
+              <a:t>Todd Carter</a:t>
+            </a:r>
+          </a:p>
+          <a:p>
+            <a:r>
+              <a:rPr lang="en-US" dirty="0">
+                <a:hlinkClick r:id="rId2"/>
+              </a:rPr>
+              <a:t>cart7982@vandals.uidaho.edu</a:t>
+            </a:r>
+            <a:endParaRPr lang="en-US" dirty="0"/>
+          </a:p>
+          <a:p>
+            <a:r>
+              <a:rPr lang="en-US" dirty="0"/>
+              <a:t>Anna Milligan</a:t>
+            </a:r>
+          </a:p>
+          <a:p>
+            <a:r>
+              <a:rPr lang="en-US" dirty="0">
+                <a:hlinkClick r:id="rId3"/>
+              </a:rPr>
+              <a:t>bookwormer104@gmail.com</a:t>
+            </a:r>
+            <a:endParaRPr lang="en-US" dirty="0"/>
+          </a:p>
+          <a:p>
+            <a:endParaRPr lang="en-US" dirty="0"/>
+          </a:p>
+        </p:txBody>
+      </p:sp>
     </p:spTree>
     <p:extLst>
       <p:ext uri="{BB962C8B-B14F-4D97-AF65-F5344CB8AC3E}">
-        <p14:creationId xmlns:p14="http://schemas.microsoft.com/office/powerpoint/2010/main" val="1048883242"/>
+        <p14:creationId xmlns:p14="http://schemas.microsoft.com/office/powerpoint/2010/main" val="3200227479"/>
       </p:ext>
     </p:extLst>
   </p:cSld>
@@ -8440,6 +7864,15 @@
 </file>
 
 <file path=customXml/item1.xml><?xml version="1.0" encoding="utf-8"?>
+<?mso-contentType ?>
+<FormTemplates xmlns="http://schemas.microsoft.com/sharepoint/v3/contenttype/forms">
+  <Display>DocumentLibraryForm</Display>
+  <Edit>DocumentLibraryForm</Edit>
+  <New>DocumentLibraryForm</New>
+</FormTemplates>
+</file>
+
+<file path=customXml/item2.xml><?xml version="1.0" encoding="utf-8"?>
 <ct:contentTypeSchema xmlns:ct="http://schemas.microsoft.com/office/2006/metadata/contentType" xmlns:ma="http://schemas.microsoft.com/office/2006/metadata/properties/metaAttributes" ct:_="" ma:_="" ma:contentTypeName="Document" ma:contentTypeID="0x01010079F111ED35F8CC479449609E8A0923A6" ma:contentTypeVersion="28" ma:contentTypeDescription="Create a new document." ma:contentTypeScope="" ma:versionID="60f5a4f2d2b0abadcf532d48ebf9cb71">
   <xsd:schema xmlns:xsd="http://www.w3.org/2001/XMLSchema" xmlns:xs="http://www.w3.org/2001/XMLSchema" xmlns:p="http://schemas.microsoft.com/office/2006/metadata/properties" xmlns:ns1="http://schemas.microsoft.com/sharepoint/v3" xmlns:ns2="71af3243-3dd4-4a8d-8c0d-dd76da1f02a5" xmlns:ns3="16c05727-aa75-4e4a-9b5f-8a80a1165891" xmlns:ns4="230e9df3-be65-4c73-a93b-d1236ebd677e" targetNamespace="http://schemas.microsoft.com/office/2006/metadata/properties" ma:root="true" ma:fieldsID="7dd78129e6a1811f84807ad11c651531" ns1:_="" ns2:_="" ns3:_="" ns4:_="">
     <xsd:import namespace="http://schemas.microsoft.com/sharepoint/v3"/>
@@ -8751,15 +8184,6 @@
 </ct:contentTypeSchema>
 </file>
 
-<file path=customXml/item2.xml><?xml version="1.0" encoding="utf-8"?>
-<?mso-contentType ?>
-<FormTemplates xmlns="http://schemas.microsoft.com/sharepoint/v3/contenttype/forms">
-  <Display>DocumentLibraryForm</Display>
-  <Edit>DocumentLibraryForm</Edit>
-  <New>DocumentLibraryForm</New>
-</FormTemplates>
-</file>
-
 <file path=customXml/item3.xml><?xml version="1.0" encoding="utf-8"?>
 <p:properties xmlns:p="http://schemas.microsoft.com/office/2006/metadata/properties" xmlns:xsi="http://www.w3.org/2001/XMLSchema-instance" xmlns:pc="http://schemas.microsoft.com/office/infopath/2007/PartnerControls">
   <documentManagement>
@@ -8781,6 +8205,14 @@
 </file>
 
 <file path=customXml/itemProps1.xml><?xml version="1.0" encoding="utf-8"?>
+<ds:datastoreItem xmlns:ds="http://schemas.openxmlformats.org/officeDocument/2006/customXml" ds:itemID="{8CF92924-243E-4C73-8BD6-689D14A495F2}">
+  <ds:schemaRefs>
+    <ds:schemaRef ds:uri="http://schemas.microsoft.com/sharepoint/v3/contenttype/forms"/>
+  </ds:schemaRefs>
+</ds:datastoreItem>
+</file>
+
+<file path=customXml/itemProps2.xml><?xml version="1.0" encoding="utf-8"?>
 <ds:datastoreItem xmlns:ds="http://schemas.openxmlformats.org/officeDocument/2006/customXml" ds:itemID="{0D54F37A-6805-42D4-9FB4-3CFF01A7B973}">
   <ds:schemaRefs>
     <ds:schemaRef ds:uri="http://schemas.microsoft.com/office/2006/metadata/contentType"/>
@@ -8801,14 +8233,6 @@
 </ds:datastoreItem>
 </file>
 
-<file path=customXml/itemProps2.xml><?xml version="1.0" encoding="utf-8"?>
-<ds:datastoreItem xmlns:ds="http://schemas.openxmlformats.org/officeDocument/2006/customXml" ds:itemID="{8CF92924-243E-4C73-8BD6-689D14A495F2}">
-  <ds:schemaRefs>
-    <ds:schemaRef ds:uri="http://schemas.microsoft.com/sharepoint/v3/contenttype/forms"/>
-  </ds:schemaRefs>
-</ds:datastoreItem>
-</file>
-
 <file path=customXml/itemProps3.xml><?xml version="1.0" encoding="utf-8"?>
 <ds:datastoreItem xmlns:ds="http://schemas.openxmlformats.org/officeDocument/2006/customXml" ds:itemID="{51D389B5-45E8-4EA7-B5A7-604FF249CF70}">
   <ds:schemaRefs>
